--- a/Dokumentation/thomas_praes.pptx
+++ b/Dokumentation/thomas_praes.pptx
@@ -1540,7 +1540,7 @@
                 </a:uFill>
                 <a:latin typeface="Arial"/>
               </a:rPr>
-              <a:t>Format des Titeltextes durch Klicken bearbeiten</a:t>
+              <a:t>Click to edit the title text format</a:t>
             </a:r>
             <a:endParaRPr lang="de-DE" sz="4400" spc="-1" strike="noStrike">
               <a:solidFill>
@@ -1598,7 +1598,7 @@
                 </a:uFill>
                 <a:latin typeface="Arial"/>
               </a:rPr>
-              <a:t>Format des Gliederungstextes durch Klicken bearbeiten</a:t>
+              <a:t>Click to edit the outline text format</a:t>
             </a:r>
             <a:endParaRPr lang="de-DE" sz="3200" spc="-1" strike="noStrike">
               <a:solidFill>
@@ -1633,7 +1633,7 @@
                 </a:uFill>
                 <a:latin typeface="Arial"/>
               </a:rPr>
-              <a:t>Zweite Gliederungsebene</a:t>
+              <a:t>Second Outline Level</a:t>
             </a:r>
             <a:endParaRPr lang="de-DE" sz="2800" spc="-1" strike="noStrike">
               <a:solidFill>
@@ -1668,7 +1668,7 @@
                 </a:uFill>
                 <a:latin typeface="Arial"/>
               </a:rPr>
-              <a:t>Dritte Gliederungsebene</a:t>
+              <a:t>Third Outline Level</a:t>
             </a:r>
             <a:endParaRPr lang="de-DE" sz="2400" spc="-1" strike="noStrike">
               <a:solidFill>
@@ -1703,7 +1703,7 @@
                 </a:uFill>
                 <a:latin typeface="Arial"/>
               </a:rPr>
-              <a:t>Vierte Gliederungsebene</a:t>
+              <a:t>Fourth Outline Level</a:t>
             </a:r>
             <a:endParaRPr lang="de-DE" sz="2000" spc="-1" strike="noStrike">
               <a:solidFill>
@@ -1738,7 +1738,7 @@
                 </a:uFill>
                 <a:latin typeface="Arial"/>
               </a:rPr>
-              <a:t>Fünfte Gliederungsebene</a:t>
+              <a:t>Fifth Outline Level</a:t>
             </a:r>
             <a:endParaRPr lang="de-DE" sz="2000" spc="-1" strike="noStrike">
               <a:solidFill>
@@ -1773,7 +1773,7 @@
                 </a:uFill>
                 <a:latin typeface="Arial"/>
               </a:rPr>
-              <a:t>Sechste Gliederungsebene</a:t>
+              <a:t>Sixth Outline Level</a:t>
             </a:r>
             <a:endParaRPr lang="de-DE" sz="2000" spc="-1" strike="noStrike">
               <a:solidFill>
@@ -1808,7 +1808,7 @@
                 </a:uFill>
                 <a:latin typeface="Arial"/>
               </a:rPr>
-              <a:t>Siebte Gliederungsebene</a:t>
+              <a:t>Seventh Outline Level</a:t>
             </a:r>
             <a:endParaRPr lang="de-DE" sz="2000" spc="-1" strike="noStrike">
               <a:solidFill>
@@ -1858,7 +1858,7 @@
                 </a:uFill>
                 <a:latin typeface="Times New Roman"/>
               </a:rPr>
-              <a:t>&lt;Datum/Uhrzeit&gt;</a:t>
+              <a:t>&lt;date/time&gt;</a:t>
             </a:r>
             <a:endParaRPr lang="de-DE" sz="1400" spc="-1" strike="noStrike">
               <a:solidFill>
@@ -1909,7 +1909,7 @@
                 </a:uFill>
                 <a:latin typeface="Times New Roman"/>
               </a:rPr>
-              <a:t>&lt;Fußzeile&gt;</a:t>
+              <a:t>&lt;footer&gt;</a:t>
             </a:r>
             <a:endParaRPr lang="de-DE" sz="1400" spc="-1" strike="noStrike">
               <a:solidFill>
@@ -1948,7 +1948,7 @@
           <a:bodyPr lIns="0" rIns="0" tIns="0" bIns="0"/>
           <a:p>
             <a:pPr algn="r"/>
-            <a:fld id="{E9ABD34D-B8FE-46F5-AAB6-3FE91AF186CD}" type="slidenum">
+            <a:fld id="{CC1FC77D-106B-41AF-8561-E09916FA1BF7}" type="slidenum">
               <a:rPr lang="de-DE" sz="1400" spc="-1" strike="noStrike">
                 <a:solidFill>
                   <a:srgbClr val="000000"/>
@@ -1960,7 +1960,7 @@
                 </a:uFill>
                 <a:latin typeface="Times New Roman"/>
               </a:rPr>
-              <a:t>&lt;Foliennummer&gt;</a:t>
+              <a:t>&lt;number&gt;</a:t>
             </a:fld>
             <a:endParaRPr lang="de-DE" sz="1400" spc="-1" strike="noStrike">
               <a:solidFill>
@@ -2037,7 +2037,7 @@
           <a:p>
             <a:pPr algn="ctr"/>
             <a:r>
-              <a:rPr lang="de-DE" sz="4400" spc="-1" strike="noStrike">
+              <a:rPr lang="en-US" sz="4400" spc="-1" strike="noStrike">
                 <a:solidFill>
                   <a:srgbClr val="000000"/>
                 </a:solidFill>
@@ -2048,7 +2048,7 @@
                 </a:uFill>
                 <a:latin typeface="Arial"/>
               </a:rPr>
-              <a:t>classification</a:t>
+              <a:t>Optical Character Recognition</a:t>
             </a:r>
             <a:endParaRPr lang="de-DE" sz="4400" spc="-1" strike="noStrike">
               <a:solidFill>
@@ -2095,7 +2095,7 @@
               <a:buChar char=""/>
             </a:pPr>
             <a:r>
-              <a:rPr lang="de-DE" sz="3200" spc="-1" strike="noStrike">
+              <a:rPr lang="en-US" sz="3200" spc="-1" strike="noStrike">
                 <a:solidFill>
                   <a:srgbClr val="000000"/>
                 </a:solidFill>
@@ -2106,7 +2106,7 @@
                 </a:uFill>
                 <a:latin typeface="Arial"/>
               </a:rPr>
-              <a:t>Pre analysis</a:t>
+              <a:t>Use camera orientation to rotate picture</a:t>
             </a:r>
             <a:endParaRPr lang="de-DE" sz="3200" spc="-1" strike="noStrike">
               <a:solidFill>
@@ -2130,7 +2130,7 @@
               <a:buChar char=""/>
             </a:pPr>
             <a:r>
-              <a:rPr lang="de-DE" sz="3200" spc="-1" strike="noStrike">
+              <a:rPr lang="en-US" sz="3200" spc="-1" strike="noStrike">
                 <a:solidFill>
                   <a:srgbClr val="000000"/>
                 </a:solidFill>
@@ -2141,7 +2141,7 @@
                 </a:uFill>
                 <a:latin typeface="Arial"/>
               </a:rPr>
-              <a:t>Filter unsignificant Symbols</a:t>
+              <a:t>Resize image to 2000 x 1200 pixel</a:t>
             </a:r>
             <a:endParaRPr lang="de-DE" sz="3200" spc="-1" strike="noStrike">
               <a:solidFill>
@@ -2165,7 +2165,7 @@
               <a:buChar char=""/>
             </a:pPr>
             <a:r>
-              <a:rPr lang="de-DE" sz="3200" spc="-1" strike="noStrike">
+              <a:rPr lang="en-US" sz="3200" spc="-1" strike="noStrike">
                 <a:solidFill>
                   <a:srgbClr val="000000"/>
                 </a:solidFill>
@@ -2176,7 +2176,7 @@
                 </a:uFill>
                 <a:latin typeface="Arial"/>
               </a:rPr>
-              <a:t>Attach single letters</a:t>
+              <a:t>Colored image to black and white</a:t>
             </a:r>
             <a:endParaRPr lang="de-DE" sz="3200" spc="-1" strike="noStrike">
               <a:solidFill>
@@ -2200,7 +2200,7 @@
               <a:buChar char=""/>
             </a:pPr>
             <a:r>
-              <a:rPr lang="de-DE" sz="3200" spc="-1" strike="noStrike">
+              <a:rPr lang="en-US" sz="3200" spc="-1" strike="noStrike">
                 <a:solidFill>
                   <a:srgbClr val="000000"/>
                 </a:solidFill>
@@ -2211,42 +2211,7 @@
                 </a:uFill>
                 <a:latin typeface="Arial"/>
               </a:rPr>
-              <a:t>Lephenstein algorithm</a:t>
-            </a:r>
-            <a:endParaRPr lang="de-DE" sz="3200" spc="-1" strike="noStrike">
-              <a:solidFill>
-                <a:srgbClr val="000000"/>
-              </a:solidFill>
-              <a:uFill>
-                <a:solidFill>
-                  <a:srgbClr val="ffffff"/>
-                </a:solidFill>
-              </a:uFill>
-              <a:latin typeface="Arial"/>
-            </a:endParaRPr>
-          </a:p>
-          <a:p>
-            <a:pPr marL="432000" indent="-324000">
-              <a:buClr>
-                <a:srgbClr val="000000"/>
-              </a:buClr>
-              <a:buSzPct val="45000"/>
-              <a:buFont typeface="Wingdings" charset="2"/>
-              <a:buChar char=""/>
-            </a:pPr>
-            <a:r>
-              <a:rPr lang="de-DE" sz="3200" spc="-1" strike="noStrike">
-                <a:solidFill>
-                  <a:srgbClr val="000000"/>
-                </a:solidFill>
-                <a:uFill>
-                  <a:solidFill>
-                    <a:srgbClr val="ffffff"/>
-                  </a:solidFill>
-                </a:uFill>
-                <a:latin typeface="Arial"/>
-              </a:rPr>
-              <a:t>Post result adaption</a:t>
+              <a:t>Tesseract train language deu_frak</a:t>
             </a:r>
             <a:endParaRPr lang="de-DE" sz="3200" spc="-1" strike="noStrike">
               <a:solidFill>
@@ -2307,52 +2272,8 @@
           <a:bodyPr lIns="0" rIns="0" tIns="0" bIns="0" anchor="ctr"/>
           <a:p>
             <a:pPr algn="ctr"/>
-            <a:endParaRPr lang="de-DE" sz="4400" spc="-1" strike="noStrike">
-              <a:solidFill>
-                <a:srgbClr val="000000"/>
-              </a:solidFill>
-              <a:uFill>
-                <a:solidFill>
-                  <a:srgbClr val="ffffff"/>
-                </a:solidFill>
-              </a:uFill>
-              <a:latin typeface="Arial"/>
-            </a:endParaRPr>
-          </a:p>
-        </p:txBody>
-      </p:sp>
-      <p:sp>
-        <p:nvSpPr>
-          <p:cNvPr id="42" name="TextShape 2"/>
-          <p:cNvSpPr txBox="1"/>
-          <p:nvPr/>
-        </p:nvSpPr>
-        <p:spPr>
-          <a:xfrm>
-            <a:off x="504000" y="1769040"/>
-            <a:ext cx="9071640" cy="4384440"/>
-          </a:xfrm>
-          <a:prstGeom prst="rect">
-            <a:avLst/>
-          </a:prstGeom>
-          <a:noFill/>
-          <a:ln>
-            <a:noFill/>
-          </a:ln>
-        </p:spPr>
-        <p:txBody>
-          <a:bodyPr lIns="0" rIns="0" tIns="0" bIns="0"/>
-          <a:p>
-            <a:pPr marL="432000" indent="-324000">
-              <a:buClr>
-                <a:srgbClr val="000000"/>
-              </a:buClr>
-              <a:buSzPct val="45000"/>
-              <a:buFont typeface="Wingdings" charset="2"/>
-              <a:buChar char=""/>
-            </a:pPr>
             <a:r>
-              <a:rPr lang="de-DE" sz="3200" spc="-1" strike="noStrike">
+              <a:rPr lang="en-US" sz="4400" spc="-1" strike="noStrike">
                 <a:solidFill>
                   <a:srgbClr val="000000"/>
                 </a:solidFill>
@@ -2363,20 +2284,43 @@
                 </a:uFill>
                 <a:latin typeface="Arial"/>
               </a:rPr>
-              <a:t>Colored Image to Black and White</a:t>
+              <a:t>Classification</a:t>
             </a:r>
-            <a:endParaRPr lang="de-DE" sz="3200" spc="-1" strike="noStrike">
-              <a:solidFill>
-                <a:srgbClr val="000000"/>
-              </a:solidFill>
-              <a:uFill>
-                <a:solidFill>
-                  <a:srgbClr val="ffffff"/>
-                </a:solidFill>
-              </a:uFill>
-              <a:latin typeface="Arial"/>
-            </a:endParaRPr>
-          </a:p>
+            <a:endParaRPr lang="de-DE" sz="4400" spc="-1" strike="noStrike">
+              <a:solidFill>
+                <a:srgbClr val="000000"/>
+              </a:solidFill>
+              <a:uFill>
+                <a:solidFill>
+                  <a:srgbClr val="ffffff"/>
+                </a:solidFill>
+              </a:uFill>
+              <a:latin typeface="Arial"/>
+            </a:endParaRPr>
+          </a:p>
+        </p:txBody>
+      </p:sp>
+      <p:sp>
+        <p:nvSpPr>
+          <p:cNvPr id="42" name="TextShape 2"/>
+          <p:cNvSpPr txBox="1"/>
+          <p:nvPr/>
+        </p:nvSpPr>
+        <p:spPr>
+          <a:xfrm>
+            <a:off x="504000" y="1769040"/>
+            <a:ext cx="9071640" cy="4384440"/>
+          </a:xfrm>
+          <a:prstGeom prst="rect">
+            <a:avLst/>
+          </a:prstGeom>
+          <a:noFill/>
+          <a:ln>
+            <a:noFill/>
+          </a:ln>
+        </p:spPr>
+        <p:txBody>
+          <a:bodyPr lIns="0" rIns="0" tIns="0" bIns="0"/>
           <a:p>
             <a:pPr marL="432000" indent="-324000">
               <a:buClr>
@@ -2387,7 +2331,7 @@
               <a:buChar char=""/>
             </a:pPr>
             <a:r>
-              <a:rPr lang="de-DE" sz="3200" spc="-1" strike="noStrike">
+              <a:rPr lang="en-US" sz="3200" spc="-1" strike="noStrike">
                 <a:solidFill>
                   <a:srgbClr val="000000"/>
                 </a:solidFill>
@@ -2398,7 +2342,7 @@
                 </a:uFill>
                 <a:latin typeface="Arial"/>
               </a:rPr>
-              <a:t>Resize Image to 2000 x 1200</a:t>
+              <a:t>Pre analysis</a:t>
             </a:r>
             <a:endParaRPr lang="de-DE" sz="3200" spc="-1" strike="noStrike">
               <a:solidFill>
@@ -2422,7 +2366,7 @@
               <a:buChar char=""/>
             </a:pPr>
             <a:r>
-              <a:rPr lang="de-DE" sz="3200" spc="-1" strike="noStrike">
+              <a:rPr lang="en-US" sz="3200" spc="-1" strike="noStrike">
                 <a:solidFill>
                   <a:srgbClr val="000000"/>
                 </a:solidFill>
@@ -2433,7 +2377,7 @@
                 </a:uFill>
                 <a:latin typeface="Arial"/>
               </a:rPr>
-              <a:t>Tesseract Train language deu_frak</a:t>
+              <a:t>Filter insignificant symbols</a:t>
             </a:r>
             <a:endParaRPr lang="de-DE" sz="3200" spc="-1" strike="noStrike">
               <a:solidFill>
@@ -2457,7 +2401,7 @@
               <a:buChar char=""/>
             </a:pPr>
             <a:r>
-              <a:rPr lang="de-DE" sz="3200" spc="-1" strike="noStrike">
+              <a:rPr lang="en-US" sz="3200" spc="-1" strike="noStrike">
                 <a:solidFill>
                   <a:srgbClr val="000000"/>
                 </a:solidFill>
@@ -2468,7 +2412,77 @@
                 </a:uFill>
                 <a:latin typeface="Arial"/>
               </a:rPr>
-              <a:t>Use Camera orientation to rotate picture</a:t>
+              <a:t>Combine single letters</a:t>
+            </a:r>
+            <a:endParaRPr lang="de-DE" sz="3200" spc="-1" strike="noStrike">
+              <a:solidFill>
+                <a:srgbClr val="000000"/>
+              </a:solidFill>
+              <a:uFill>
+                <a:solidFill>
+                  <a:srgbClr val="ffffff"/>
+                </a:solidFill>
+              </a:uFill>
+              <a:latin typeface="Arial"/>
+            </a:endParaRPr>
+          </a:p>
+          <a:p>
+            <a:pPr marL="432000" indent="-324000">
+              <a:buClr>
+                <a:srgbClr val="000000"/>
+              </a:buClr>
+              <a:buSzPct val="45000"/>
+              <a:buFont typeface="Wingdings" charset="2"/>
+              <a:buChar char=""/>
+            </a:pPr>
+            <a:r>
+              <a:rPr lang="en-US" sz="3200" spc="-1" strike="noStrike">
+                <a:solidFill>
+                  <a:srgbClr val="000000"/>
+                </a:solidFill>
+                <a:uFill>
+                  <a:solidFill>
+                    <a:srgbClr val="ffffff"/>
+                  </a:solidFill>
+                </a:uFill>
+                <a:latin typeface="Arial"/>
+              </a:rPr>
+              <a:t>Levenstein-algorithm</a:t>
+            </a:r>
+            <a:endParaRPr lang="de-DE" sz="3200" spc="-1" strike="noStrike">
+              <a:solidFill>
+                <a:srgbClr val="000000"/>
+              </a:solidFill>
+              <a:uFill>
+                <a:solidFill>
+                  <a:srgbClr val="ffffff"/>
+                </a:solidFill>
+              </a:uFill>
+              <a:latin typeface="Arial"/>
+            </a:endParaRPr>
+          </a:p>
+          <a:p>
+            <a:pPr marL="432000" indent="-324000">
+              <a:buClr>
+                <a:srgbClr val="000000"/>
+              </a:buClr>
+              <a:buSzPct val="45000"/>
+              <a:buFont typeface="Wingdings" charset="2"/>
+              <a:buChar char=""/>
+            </a:pPr>
+            <a:r>
+              <a:rPr lang="en-US" sz="3200" spc="-1" strike="noStrike">
+                <a:solidFill>
+                  <a:srgbClr val="000000"/>
+                </a:solidFill>
+                <a:uFill>
+                  <a:solidFill>
+                    <a:srgbClr val="ffffff"/>
+                  </a:solidFill>
+                </a:uFill>
+                <a:latin typeface="Arial"/>
+              </a:rPr>
+              <a:t>Post result adaption</a:t>
             </a:r>
             <a:endParaRPr lang="de-DE" sz="3200" spc="-1" strike="noStrike">
               <a:solidFill>
@@ -2529,52 +2543,8 @@
           <a:bodyPr lIns="0" rIns="0" tIns="0" bIns="0" anchor="ctr"/>
           <a:p>
             <a:pPr algn="ctr"/>
-            <a:endParaRPr lang="de-DE" sz="4400" spc="-1" strike="noStrike">
-              <a:solidFill>
-                <a:srgbClr val="000000"/>
-              </a:solidFill>
-              <a:uFill>
-                <a:solidFill>
-                  <a:srgbClr val="ffffff"/>
-                </a:solidFill>
-              </a:uFill>
-              <a:latin typeface="Arial"/>
-            </a:endParaRPr>
-          </a:p>
-        </p:txBody>
-      </p:sp>
-      <p:sp>
-        <p:nvSpPr>
-          <p:cNvPr id="44" name="TextShape 2"/>
-          <p:cNvSpPr txBox="1"/>
-          <p:nvPr/>
-        </p:nvSpPr>
-        <p:spPr>
-          <a:xfrm>
-            <a:off x="504000" y="1769040"/>
-            <a:ext cx="9071640" cy="4384440"/>
-          </a:xfrm>
-          <a:prstGeom prst="rect">
-            <a:avLst/>
-          </a:prstGeom>
-          <a:noFill/>
-          <a:ln>
-            <a:noFill/>
-          </a:ln>
-        </p:spPr>
-        <p:txBody>
-          <a:bodyPr lIns="0" rIns="0" tIns="0" bIns="0"/>
-          <a:p>
-            <a:pPr marL="432000" indent="-324000">
-              <a:buClr>
-                <a:srgbClr val="000000"/>
-              </a:buClr>
-              <a:buSzPct val="45000"/>
-              <a:buFont typeface="Wingdings" charset="2"/>
-              <a:buChar char=""/>
-            </a:pPr>
             <a:r>
-              <a:rPr lang="de-DE" sz="3200" spc="-1" strike="noStrike">
+              <a:rPr lang="en-US" sz="4400" spc="-1" strike="noStrike">
                 <a:solidFill>
                   <a:srgbClr val="000000"/>
                 </a:solidFill>
@@ -2585,20 +2555,43 @@
                 </a:uFill>
                 <a:latin typeface="Arial"/>
               </a:rPr>
-              <a:t>Orientation missleading (does not represent picture orientation</a:t>
+              <a:t>Limitations and Issues</a:t>
             </a:r>
-            <a:endParaRPr lang="de-DE" sz="3200" spc="-1" strike="noStrike">
-              <a:solidFill>
-                <a:srgbClr val="000000"/>
-              </a:solidFill>
-              <a:uFill>
-                <a:solidFill>
-                  <a:srgbClr val="ffffff"/>
-                </a:solidFill>
-              </a:uFill>
-              <a:latin typeface="Arial"/>
-            </a:endParaRPr>
-          </a:p>
+            <a:endParaRPr lang="de-DE" sz="4400" spc="-1" strike="noStrike">
+              <a:solidFill>
+                <a:srgbClr val="000000"/>
+              </a:solidFill>
+              <a:uFill>
+                <a:solidFill>
+                  <a:srgbClr val="ffffff"/>
+                </a:solidFill>
+              </a:uFill>
+              <a:latin typeface="Arial"/>
+            </a:endParaRPr>
+          </a:p>
+        </p:txBody>
+      </p:sp>
+      <p:sp>
+        <p:nvSpPr>
+          <p:cNvPr id="44" name="TextShape 2"/>
+          <p:cNvSpPr txBox="1"/>
+          <p:nvPr/>
+        </p:nvSpPr>
+        <p:spPr>
+          <a:xfrm>
+            <a:off x="504000" y="1769040"/>
+            <a:ext cx="9071640" cy="4384440"/>
+          </a:xfrm>
+          <a:prstGeom prst="rect">
+            <a:avLst/>
+          </a:prstGeom>
+          <a:noFill/>
+          <a:ln>
+            <a:noFill/>
+          </a:ln>
+        </p:spPr>
+        <p:txBody>
+          <a:bodyPr lIns="0" rIns="0" tIns="0" bIns="0"/>
           <a:p>
             <a:pPr marL="432000" indent="-324000">
               <a:buClr>
@@ -2609,7 +2602,7 @@
               <a:buChar char=""/>
             </a:pPr>
             <a:r>
-              <a:rPr lang="de-DE" sz="3200" spc="-1" strike="noStrike">
+              <a:rPr lang="en-US" sz="3200" spc="-1" strike="noStrike">
                 <a:solidFill>
                   <a:srgbClr val="000000"/>
                 </a:solidFill>
@@ -2620,7 +2613,7 @@
                 </a:uFill>
                 <a:latin typeface="Arial"/>
               </a:rPr>
-              <a:t>Tesseract can not detect bold fonts</a:t>
+              <a:t>Orientation misleading - does not represent picture orientation</a:t>
             </a:r>
             <a:endParaRPr lang="de-DE" sz="3200" spc="-1" strike="noStrike">
               <a:solidFill>
@@ -2644,7 +2637,7 @@
               <a:buChar char=""/>
             </a:pPr>
             <a:r>
-              <a:rPr lang="de-DE" sz="3200" spc="-1" strike="noStrike">
+              <a:rPr lang="en-US" sz="3200" spc="-1" strike="noStrike">
                 <a:solidFill>
                   <a:srgbClr val="000000"/>
                 </a:solidFill>
@@ -2655,7 +2648,77 @@
                 </a:uFill>
                 <a:latin typeface="Arial"/>
               </a:rPr>
-              <a:t>Classification expects unperfect OCR results → wrong classification on perfect OCR results</a:t>
+              <a:t>Tesseract can not detect bold or large fonts</a:t>
+            </a:r>
+            <a:endParaRPr lang="de-DE" sz="3200" spc="-1" strike="noStrike">
+              <a:solidFill>
+                <a:srgbClr val="000000"/>
+              </a:solidFill>
+              <a:uFill>
+                <a:solidFill>
+                  <a:srgbClr val="ffffff"/>
+                </a:solidFill>
+              </a:uFill>
+              <a:latin typeface="Arial"/>
+            </a:endParaRPr>
+          </a:p>
+          <a:p>
+            <a:pPr marL="432000" indent="-324000">
+              <a:buClr>
+                <a:srgbClr val="000000"/>
+              </a:buClr>
+              <a:buSzPct val="45000"/>
+              <a:buFont typeface="Wingdings" charset="2"/>
+              <a:buChar char=""/>
+            </a:pPr>
+            <a:r>
+              <a:rPr lang="en-US" sz="3200" spc="-1" strike="noStrike">
+                <a:solidFill>
+                  <a:srgbClr val="000000"/>
+                </a:solidFill>
+                <a:uFill>
+                  <a:solidFill>
+                    <a:srgbClr val="ffffff"/>
+                  </a:solidFill>
+                </a:uFill>
+                <a:latin typeface="Arial"/>
+              </a:rPr>
+              <a:t>Shop name classification highly depends on name length</a:t>
+            </a:r>
+            <a:endParaRPr lang="de-DE" sz="3200" spc="-1" strike="noStrike">
+              <a:solidFill>
+                <a:srgbClr val="000000"/>
+              </a:solidFill>
+              <a:uFill>
+                <a:solidFill>
+                  <a:srgbClr val="ffffff"/>
+                </a:solidFill>
+              </a:uFill>
+              <a:latin typeface="Arial"/>
+            </a:endParaRPr>
+          </a:p>
+          <a:p>
+            <a:pPr marL="432000" indent="-324000">
+              <a:buClr>
+                <a:srgbClr val="000000"/>
+              </a:buClr>
+              <a:buSzPct val="45000"/>
+              <a:buFont typeface="Wingdings" charset="2"/>
+              <a:buChar char=""/>
+            </a:pPr>
+            <a:r>
+              <a:rPr lang="en-US" sz="3200" spc="-1" strike="noStrike">
+                <a:solidFill>
+                  <a:srgbClr val="000000"/>
+                </a:solidFill>
+                <a:uFill>
+                  <a:solidFill>
+                    <a:srgbClr val="ffffff"/>
+                  </a:solidFill>
+                </a:uFill>
+                <a:latin typeface="Arial"/>
+              </a:rPr>
+              <a:t>Receipt sum detection is very depending on ocr results</a:t>
             </a:r>
             <a:endParaRPr lang="de-DE" sz="3200" spc="-1" strike="noStrike">
               <a:solidFill>
@@ -2673,6 +2736,33 @@
       </p:sp>
     </p:spTree>
   </p:cSld>
+  <p:timing>
+    <p:tnLst>
+      <p:par>
+        <p:cTn id="1" dur="indefinite" restart="never" nodeType="tmRoot">
+          <p:childTnLst>
+            <p:seq>
+              <p:cTn id="2" nodeType="mainSeq"/>
+              <p:prevCondLst>
+                <p:cond delay="0" evt="onPrev">
+                  <p:tgtEl>
+                    <p:sldTgt/>
+                  </p:tgtEl>
+                </p:cond>
+              </p:prevCondLst>
+              <p:nextCondLst>
+                <p:cond delay="0" evt="onNext">
+                  <p:tgtEl>
+                    <p:sldTgt/>
+                  </p:tgtEl>
+                </p:cond>
+              </p:nextCondLst>
+            </p:seq>
+          </p:childTnLst>
+        </p:cTn>
+      </p:par>
+    </p:tnLst>
+  </p:timing>
 </p:sld>
 </file>
 
